--- a/Agile_Presentation.pptx
+++ b/Agile_Presentation.pptx
@@ -8,17 +8,18 @@
     <p:sldMasterId id="2147483724" r:id="rId4"/>
   </p:sldMasterIdLst>
   <p:notesMasterIdLst>
-    <p:notesMasterId r:id="rId10"/>
+    <p:notesMasterId r:id="rId11"/>
   </p:notesMasterIdLst>
   <p:handoutMasterIdLst>
-    <p:handoutMasterId r:id="rId11"/>
+    <p:handoutMasterId r:id="rId12"/>
   </p:handoutMasterIdLst>
   <p:sldIdLst>
     <p:sldId id="446" r:id="rId5"/>
     <p:sldId id="447" r:id="rId6"/>
     <p:sldId id="426" r:id="rId7"/>
     <p:sldId id="449" r:id="rId8"/>
-    <p:sldId id="450" r:id="rId9"/>
+    <p:sldId id="451" r:id="rId9"/>
+    <p:sldId id="450" r:id="rId10"/>
   </p:sldIdLst>
   <p:sldSz cx="12192000" cy="6858000"/>
   <p:notesSz cx="6858000" cy="9144000"/>
@@ -1077,7 +1078,10 @@
           <a:bodyPr/>
           <a:lstStyle/>
           <a:p>
-            <a:endParaRPr lang="en-US" b="1" dirty="0"/>
+            <a:r>
+              <a:rPr lang="en-US" b="1" dirty="0"/>
+              <a:t>The SNHU Travel project would have been difficult to complete under a waterfall approach. Given the amount of uncertainty any changes would have had a negative impact on the project. Even with the high level of uncertainty with agile, any issues discovered would require a change order to the agreement which can be costly. </a:t>
+            </a:r>
           </a:p>
         </p:txBody>
       </p:sp>
@@ -1161,7 +1165,7 @@
           <a:bodyPr/>
           <a:lstStyle/>
           <a:p>
-            <a:endParaRPr lang="en-US" dirty="0"/>
+            <a:endParaRPr lang="en-US" b="1" dirty="0"/>
           </a:p>
         </p:txBody>
       </p:sp>
@@ -1183,6 +1187,90 @@
             <a:fld id="{6B83F1C3-4FA3-4491-97F4-43CA9C8BDFDF}" type="slidenum">
               <a:rPr lang="en-US" smtClean="0"/>
               <a:t>5</a:t>
+            </a:fld>
+            <a:endParaRPr lang="en-US" dirty="0"/>
+          </a:p>
+        </p:txBody>
+      </p:sp>
+    </p:spTree>
+    <p:extLst>
+      <p:ext uri="{BB962C8B-B14F-4D97-AF65-F5344CB8AC3E}">
+        <p14:creationId xmlns:p14="http://schemas.microsoft.com/office/powerpoint/2010/main" val="3770290342"/>
+      </p:ext>
+    </p:extLst>
+  </p:cSld>
+  <p:clrMapOvr>
+    <a:masterClrMapping/>
+  </p:clrMapOvr>
+</p:notes>
+</file>
+
+<file path=ppt/notesSlides/notesSlide6.xml><?xml version="1.0" encoding="utf-8"?>
+<p:notes xmlns:a="http://schemas.openxmlformats.org/drawingml/2006/main" xmlns:r="http://schemas.openxmlformats.org/officeDocument/2006/relationships" xmlns:p="http://schemas.openxmlformats.org/presentationml/2006/main">
+  <p:cSld>
+    <p:spTree>
+      <p:nvGrpSpPr>
+        <p:cNvPr id="1" name=""/>
+        <p:cNvGrpSpPr/>
+        <p:nvPr/>
+      </p:nvGrpSpPr>
+      <p:grpSpPr>
+        <a:xfrm>
+          <a:off x="0" y="0"/>
+          <a:ext cx="0" cy="0"/>
+          <a:chOff x="0" y="0"/>
+          <a:chExt cx="0" cy="0"/>
+        </a:xfrm>
+      </p:grpSpPr>
+      <p:sp>
+        <p:nvSpPr>
+          <p:cNvPr id="2" name="Slide Image Placeholder 1"/>
+          <p:cNvSpPr>
+            <a:spLocks noGrp="1" noRot="1" noChangeAspect="1"/>
+          </p:cNvSpPr>
+          <p:nvPr>
+            <p:ph type="sldImg"/>
+          </p:nvPr>
+        </p:nvSpPr>
+        <p:spPr/>
+      </p:sp>
+      <p:sp>
+        <p:nvSpPr>
+          <p:cNvPr id="3" name="Notes Placeholder 2"/>
+          <p:cNvSpPr>
+            <a:spLocks noGrp="1"/>
+          </p:cNvSpPr>
+          <p:nvPr>
+            <p:ph type="body" idx="1"/>
+          </p:nvPr>
+        </p:nvSpPr>
+        <p:spPr/>
+        <p:txBody>
+          <a:bodyPr/>
+          <a:lstStyle/>
+          <a:p>
+            <a:endParaRPr lang="en-US" dirty="0"/>
+          </a:p>
+        </p:txBody>
+      </p:sp>
+      <p:sp>
+        <p:nvSpPr>
+          <p:cNvPr id="4" name="Slide Number Placeholder 3"/>
+          <p:cNvSpPr>
+            <a:spLocks noGrp="1"/>
+          </p:cNvSpPr>
+          <p:nvPr>
+            <p:ph type="sldNum" sz="quarter" idx="5"/>
+          </p:nvPr>
+        </p:nvSpPr>
+        <p:spPr/>
+        <p:txBody>
+          <a:bodyPr/>
+          <a:lstStyle/>
+          <a:p>
+            <a:fld id="{6B83F1C3-4FA3-4491-97F4-43CA9C8BDFDF}" type="slidenum">
+              <a:rPr lang="en-US" smtClean="0"/>
+              <a:t>6</a:t>
             </a:fld>
             <a:endParaRPr lang="en-US" dirty="0"/>
           </a:p>
@@ -7500,13 +7588,13 @@
   <p:clrMapOvr>
     <a:masterClrMapping/>
   </p:clrMapOvr>
-  <mc:AlternateContent xmlns:mc="http://schemas.openxmlformats.org/markup-compatibility/2006">
-    <mc:Choice xmlns:p14="http://schemas.microsoft.com/office/powerpoint/2010/main" Requires="p14">
+  <mc:AlternateContent xmlns:mc="http://schemas.openxmlformats.org/markup-compatibility/2006" xmlns:p14="http://schemas.microsoft.com/office/powerpoint/2010/main">
+    <mc:Choice Requires="p14">
       <p:transition spd="med" p14:dur="700">
         <p:fade/>
       </p:transition>
     </mc:Choice>
-    <mc:Fallback>
+    <mc:Fallback xmlns="">
       <p:transition spd="med">
         <p:fade/>
       </p:transition>
@@ -7680,8 +7768,8 @@
               <a:buChar char="•"/>
             </a:pPr>
             <a:r>
-              <a:rPr lang="en-US" dirty="0"/>
-              <a:t>Product Owner: </a:t>
+              <a:rPr lang="en-US" b="1" dirty="0"/>
+              <a:t>Product Owner</a:t>
             </a:r>
           </a:p>
           <a:p>
@@ -7704,7 +7792,7 @@
               <a:buChar char="•"/>
             </a:pPr>
             <a:r>
-              <a:rPr lang="en-US" dirty="0"/>
+              <a:rPr lang="en-US" b="1" dirty="0"/>
               <a:t>Scrum Master</a:t>
             </a:r>
           </a:p>
@@ -7756,7 +7844,7 @@
               <a:buChar char="•"/>
             </a:pPr>
             <a:r>
-              <a:rPr lang="en-US" dirty="0">
+              <a:rPr lang="en-US" b="1" dirty="0">
                 <a:solidFill>
                   <a:schemeClr val="bg1"/>
                 </a:solidFill>
@@ -7818,13 +7906,13 @@
   <p:clrMapOvr>
     <a:masterClrMapping/>
   </p:clrMapOvr>
-  <mc:AlternateContent xmlns:mc="http://schemas.openxmlformats.org/markup-compatibility/2006">
-    <mc:Choice xmlns:p14="http://schemas.microsoft.com/office/powerpoint/2010/main" Requires="p14">
+  <mc:AlternateContent xmlns:mc="http://schemas.openxmlformats.org/markup-compatibility/2006" xmlns:p14="http://schemas.microsoft.com/office/powerpoint/2010/main">
+    <mc:Choice Requires="p14">
       <p:transition spd="med" p14:dur="700">
         <p:fade/>
       </p:transition>
     </mc:Choice>
-    <mc:Fallback>
+    <mc:Fallback xmlns="">
       <p:transition spd="med">
         <p:fade/>
       </p:transition>
@@ -8555,7 +8643,7 @@
         <p:spPr>
           <a:xfrm>
             <a:off x="838201" y="2013625"/>
-            <a:ext cx="4614759" cy="4163337"/>
+            <a:ext cx="5252462" cy="4479250"/>
           </a:xfrm>
           <a:prstGeom prst="rect">
             <a:avLst/>
@@ -8563,7 +8651,7 @@
         </p:spPr>
         <p:txBody>
           <a:bodyPr vert="horz" lIns="91440" tIns="45720" rIns="91440" bIns="45720" rtlCol="0">
-            <a:normAutofit fontScale="92500" lnSpcReduction="10000"/>
+            <a:normAutofit/>
           </a:bodyPr>
           <a:lstStyle/>
           <a:p>
@@ -9656,13 +9744,13 @@
   <p:clrMapOvr>
     <a:masterClrMapping/>
   </p:clrMapOvr>
-  <mc:AlternateContent xmlns:mc="http://schemas.openxmlformats.org/markup-compatibility/2006">
-    <mc:Choice xmlns:p14="http://schemas.microsoft.com/office/powerpoint/2010/main" Requires="p14">
+  <mc:AlternateContent xmlns:mc="http://schemas.openxmlformats.org/markup-compatibility/2006" xmlns:p14="http://schemas.microsoft.com/office/powerpoint/2010/main">
+    <mc:Choice Requires="p14">
       <p:transition spd="med" p14:dur="700">
         <p:fade/>
       </p:transition>
     </mc:Choice>
-    <mc:Fallback>
+    <mc:Fallback xmlns="">
       <p:transition spd="med">
         <p:fade/>
       </p:transition>
@@ -10579,29 +10667,27 @@
           </a:prstGeom>
           <a:gradFill flip="none" rotWithShape="1">
             <a:gsLst>
-              <a:gs pos="2000">
+              <a:gs pos="0">
                 <a:schemeClr val="accent1">
-                  <a:lumMod val="5000"/>
-                  <a:lumOff val="95000"/>
+                  <a:lumMod val="0"/>
+                  <a:lumOff val="100000"/>
                 </a:schemeClr>
               </a:gs>
-              <a:gs pos="100000">
+              <a:gs pos="0">
                 <a:schemeClr val="bg2">
                   <a:lumMod val="40000"/>
                   <a:lumOff val="60000"/>
                 </a:schemeClr>
               </a:gs>
-              <a:gs pos="35000">
+              <a:gs pos="0">
                 <a:schemeClr val="bg2">
                   <a:lumMod val="60000"/>
                   <a:lumOff val="40000"/>
                 </a:schemeClr>
               </a:gs>
             </a:gsLst>
-            <a:path path="circle">
-              <a:fillToRect l="100000" b="100000"/>
-            </a:path>
-            <a:tileRect t="-100000" r="-100000"/>
+            <a:lin ang="5400000" scaled="0"/>
+            <a:tileRect/>
           </a:gradFill>
         </p:spPr>
         <p:style>
@@ -10639,7 +10725,7 @@
             </a:extLst>
           </p:cNvPr>
           <p:cNvPicPr>
-            <a:picLocks noGrp="1" noChangeAspect="1"/>
+            <a:picLocks noGrp="1"/>
           </p:cNvPicPr>
           <p:nvPr>
             <p:ph type="pic" sz="quarter" idx="15"/>
@@ -10647,13 +10733,16 @@
         </p:nvPicPr>
         <p:blipFill>
           <a:blip r:embed="rId3">
-            <a:alphaModFix amt="31000"/>
+            <a:alphaModFix amt="50000"/>
             <a:extLst>
               <a:ext uri="{BEBA8EAE-BF5A-486C-A8C5-ECC9F3942E4B}">
                 <a14:imgProps xmlns:a14="http://schemas.microsoft.com/office/drawing/2010/main">
                   <a14:imgLayer r:embed="rId4">
                     <a14:imgEffect>
-                      <a14:saturation sat="13000"/>
+                      <a14:colorTemperature colorTemp="11500"/>
+                    </a14:imgEffect>
+                    <a14:imgEffect>
+                      <a14:saturation sat="12000"/>
                     </a14:imgEffect>
                   </a14:imgLayer>
                 </a14:imgProps>
@@ -10666,8 +10755,8 @@
         </p:blipFill>
         <p:spPr>
           <a:xfrm>
-            <a:off x="0" y="259491"/>
-            <a:ext cx="12188952" cy="6858001"/>
+            <a:off x="3050" y="0"/>
+            <a:ext cx="12188950" cy="6948488"/>
           </a:xfrm>
           <a:noFill/>
           <a:ln>
@@ -10675,6 +10764,215 @@
           </a:ln>
         </p:spPr>
       </p:pic>
+      <p:sp>
+        <p:nvSpPr>
+          <p:cNvPr id="11" name="TextBox 10">
+            <a:extLst>
+              <a:ext uri="{FF2B5EF4-FFF2-40B4-BE49-F238E27FC236}">
+                <a16:creationId xmlns:a16="http://schemas.microsoft.com/office/drawing/2014/main" id="{AA67491B-597B-4947-9F3F-D356FC9150A6}"/>
+              </a:ext>
+            </a:extLst>
+          </p:cNvPr>
+          <p:cNvSpPr txBox="1"/>
+          <p:nvPr/>
+        </p:nvSpPr>
+        <p:spPr>
+          <a:xfrm>
+            <a:off x="1840090" y="3237637"/>
+            <a:ext cx="3744097" cy="2862322"/>
+          </a:xfrm>
+          <a:prstGeom prst="rect">
+            <a:avLst/>
+          </a:prstGeom>
+          <a:noFill/>
+        </p:spPr>
+        <p:txBody>
+          <a:bodyPr wrap="square" rtlCol="0">
+            <a:spAutoFit/>
+          </a:bodyPr>
+          <a:lstStyle/>
+          <a:p>
+            <a:pPr marL="285750" indent="-285750">
+              <a:buFont typeface="Arial" panose="020B0604020202020204" pitchFamily="34" charset="0"/>
+              <a:buChar char="•"/>
+            </a:pPr>
+            <a:r>
+              <a:rPr lang="en-US" sz="2000" b="1" dirty="0">
+                <a:solidFill>
+                  <a:schemeClr val="bg1"/>
+                </a:solidFill>
+              </a:rPr>
+              <a:t>No need to define all requirements. </a:t>
+            </a:r>
+          </a:p>
+          <a:p>
+            <a:endParaRPr lang="en-US" sz="2000" b="1" dirty="0">
+              <a:solidFill>
+                <a:schemeClr val="bg1"/>
+              </a:solidFill>
+            </a:endParaRPr>
+          </a:p>
+          <a:p>
+            <a:pPr marL="285750" indent="-285750">
+              <a:buFont typeface="Arial" panose="020B0604020202020204" pitchFamily="34" charset="0"/>
+              <a:buChar char="•"/>
+            </a:pPr>
+            <a:r>
+              <a:rPr lang="en-US" sz="2000" b="1" dirty="0">
+                <a:solidFill>
+                  <a:schemeClr val="bg1"/>
+                </a:solidFill>
+              </a:rPr>
+              <a:t>Major requirements can be defined but functionality can evolve over time.</a:t>
+            </a:r>
+          </a:p>
+          <a:p>
+            <a:endParaRPr lang="en-US" sz="2000" b="1" dirty="0">
+              <a:solidFill>
+                <a:schemeClr val="bg1"/>
+              </a:solidFill>
+            </a:endParaRPr>
+          </a:p>
+          <a:p>
+            <a:pPr marL="285750" indent="-285750">
+              <a:buFont typeface="Arial" panose="020B0604020202020204" pitchFamily="34" charset="0"/>
+              <a:buChar char="•"/>
+            </a:pPr>
+            <a:r>
+              <a:rPr lang="en-US" sz="2000" b="1" dirty="0">
+                <a:solidFill>
+                  <a:schemeClr val="bg1"/>
+                </a:solidFill>
+              </a:rPr>
+              <a:t>No time to market constraint</a:t>
+            </a:r>
+          </a:p>
+        </p:txBody>
+      </p:sp>
+      <p:sp>
+        <p:nvSpPr>
+          <p:cNvPr id="13" name="TextBox 12">
+            <a:extLst>
+              <a:ext uri="{FF2B5EF4-FFF2-40B4-BE49-F238E27FC236}">
+                <a16:creationId xmlns:a16="http://schemas.microsoft.com/office/drawing/2014/main" id="{0DEBE4A8-E5A0-B941-84A0-640EF052EF94}"/>
+              </a:ext>
+            </a:extLst>
+          </p:cNvPr>
+          <p:cNvSpPr txBox="1"/>
+          <p:nvPr/>
+        </p:nvSpPr>
+        <p:spPr>
+          <a:xfrm>
+            <a:off x="7424278" y="3237637"/>
+            <a:ext cx="3991436" cy="3477875"/>
+          </a:xfrm>
+          <a:prstGeom prst="rect">
+            <a:avLst/>
+          </a:prstGeom>
+          <a:noFill/>
+        </p:spPr>
+        <p:txBody>
+          <a:bodyPr wrap="square" rtlCol="0">
+            <a:spAutoFit/>
+          </a:bodyPr>
+          <a:lstStyle/>
+          <a:p>
+            <a:pPr marL="285750" indent="-285750">
+              <a:buFont typeface="Arial" panose="020B0604020202020204" pitchFamily="34" charset="0"/>
+              <a:buChar char="•"/>
+            </a:pPr>
+            <a:r>
+              <a:rPr lang="en-US" sz="2000" b="1" dirty="0">
+                <a:solidFill>
+                  <a:schemeClr val="bg1"/>
+                </a:solidFill>
+              </a:rPr>
+              <a:t>All requirements must be defined.</a:t>
+            </a:r>
+          </a:p>
+          <a:p>
+            <a:endParaRPr lang="en-US" sz="2000" b="1" dirty="0">
+              <a:solidFill>
+                <a:schemeClr val="bg1"/>
+              </a:solidFill>
+            </a:endParaRPr>
+          </a:p>
+          <a:p>
+            <a:pPr marL="285750" indent="-285750">
+              <a:buFont typeface="Arial" panose="020B0604020202020204" pitchFamily="34" charset="0"/>
+              <a:buChar char="•"/>
+            </a:pPr>
+            <a:r>
+              <a:rPr lang="en-US" sz="2000" b="1" dirty="0">
+                <a:solidFill>
+                  <a:schemeClr val="bg1"/>
+                </a:solidFill>
+              </a:rPr>
+              <a:t>Contract Negotiation.</a:t>
+            </a:r>
+          </a:p>
+          <a:p>
+            <a:endParaRPr lang="en-US" sz="2000" b="1" dirty="0">
+              <a:solidFill>
+                <a:schemeClr val="bg1"/>
+              </a:solidFill>
+            </a:endParaRPr>
+          </a:p>
+          <a:p>
+            <a:pPr marL="285750" indent="-285750">
+              <a:buFont typeface="Arial" panose="020B0604020202020204" pitchFamily="34" charset="0"/>
+              <a:buChar char="•"/>
+            </a:pPr>
+            <a:r>
+              <a:rPr lang="en-US" sz="2000" b="1" dirty="0">
+                <a:solidFill>
+                  <a:schemeClr val="bg1"/>
+                </a:solidFill>
+              </a:rPr>
+              <a:t>Sequential/Linear stages.</a:t>
+            </a:r>
+          </a:p>
+          <a:p>
+            <a:endParaRPr lang="en-US" sz="2000" b="1" dirty="0">
+              <a:solidFill>
+                <a:schemeClr val="bg1"/>
+              </a:solidFill>
+            </a:endParaRPr>
+          </a:p>
+          <a:p>
+            <a:pPr marL="285750" indent="-285750">
+              <a:buFont typeface="Arial" panose="020B0604020202020204" pitchFamily="34" charset="0"/>
+              <a:buChar char="•"/>
+            </a:pPr>
+            <a:r>
+              <a:rPr lang="en-US" sz="2000" b="1" dirty="0">
+                <a:solidFill>
+                  <a:schemeClr val="bg1"/>
+                </a:solidFill>
+              </a:rPr>
+              <a:t>Best for simple, unchanging projects</a:t>
+            </a:r>
+          </a:p>
+          <a:p>
+            <a:pPr marL="285750" indent="-285750">
+              <a:buFont typeface="Arial" panose="020B0604020202020204" pitchFamily="34" charset="0"/>
+              <a:buChar char="•"/>
+            </a:pPr>
+            <a:endParaRPr lang="en-US" sz="2000" b="1" dirty="0">
+              <a:solidFill>
+                <a:schemeClr val="bg1"/>
+              </a:solidFill>
+            </a:endParaRPr>
+          </a:p>
+          <a:p>
+            <a:endParaRPr lang="en-US" sz="2000" b="1" dirty="0">
+              <a:solidFill>
+                <a:schemeClr val="bg1"/>
+              </a:solidFill>
+            </a:endParaRPr>
+          </a:p>
+        </p:txBody>
+      </p:sp>
       <p:sp>
         <p:nvSpPr>
           <p:cNvPr id="2" name="Title 1">
@@ -10693,30 +10991,175 @@
         </p:nvSpPr>
         <p:spPr>
           <a:xfrm>
-            <a:off x="838200" y="365125"/>
-            <a:ext cx="10515600" cy="1325563"/>
+            <a:off x="5696803" y="1591441"/>
+            <a:ext cx="795346" cy="701731"/>
           </a:xfrm>
         </p:spPr>
         <p:txBody>
-          <a:bodyPr vert="horz" lIns="91440" tIns="45720" rIns="91440" bIns="45720" rtlCol="0" anchor="ctr" anchorCtr="0">
-            <a:normAutofit/>
+          <a:bodyPr vert="horz" wrap="none" lIns="91440" tIns="45720" rIns="91440" bIns="45720" rtlCol="0" anchor="ctr" anchorCtr="0">
+            <a:spAutoFit/>
           </a:bodyPr>
           <a:lstStyle/>
           <a:p>
             <a:pPr algn="ctr"/>
             <a:r>
               <a:rPr lang="en-US" sz="4400" b="1" dirty="0"/>
-              <a:t>AGILE vs. WATERFALL</a:t>
+              <a:t>vs</a:t>
             </a:r>
           </a:p>
         </p:txBody>
       </p:sp>
-      <p:sp>
-        <p:nvSpPr>
-          <p:cNvPr id="11" name="TextBox 10">
+    </p:spTree>
+    <p:extLst>
+      <p:ext uri="{BB962C8B-B14F-4D97-AF65-F5344CB8AC3E}">
+        <p14:creationId xmlns:p14="http://schemas.microsoft.com/office/powerpoint/2010/main" val="3808936156"/>
+      </p:ext>
+    </p:extLst>
+  </p:cSld>
+  <p:clrMapOvr>
+    <a:masterClrMapping/>
+  </p:clrMapOvr>
+  <mc:AlternateContent xmlns:mc="http://schemas.openxmlformats.org/markup-compatibility/2006">
+    <mc:Choice xmlns:p14="http://schemas.microsoft.com/office/powerpoint/2010/main" Requires="p14">
+      <p:transition spd="med" p14:dur="700">
+        <p:fade/>
+      </p:transition>
+    </mc:Choice>
+    <mc:Fallback>
+      <p:transition spd="med">
+        <p:fade/>
+      </p:transition>
+    </mc:Fallback>
+  </mc:AlternateContent>
+</p:sld>
+</file>
+
+<file path=ppt/slides/slide5.xml><?xml version="1.0" encoding="utf-8"?>
+<p:sld xmlns:a="http://schemas.openxmlformats.org/drawingml/2006/main" xmlns:r="http://schemas.openxmlformats.org/officeDocument/2006/relationships" xmlns:p="http://schemas.openxmlformats.org/presentationml/2006/main">
+  <p:cSld>
+    <p:spTree>
+      <p:nvGrpSpPr>
+        <p:cNvPr id="1" name=""/>
+        <p:cNvGrpSpPr/>
+        <p:nvPr/>
+      </p:nvGrpSpPr>
+      <p:grpSpPr>
+        <a:xfrm>
+          <a:off x="0" y="0"/>
+          <a:ext cx="0" cy="0"/>
+          <a:chOff x="0" y="0"/>
+          <a:chExt cx="0" cy="0"/>
+        </a:xfrm>
+      </p:grpSpPr>
+      <p:sp>
+        <p:nvSpPr>
+          <p:cNvPr id="9" name="Rectangle 8">
             <a:extLst>
               <a:ext uri="{FF2B5EF4-FFF2-40B4-BE49-F238E27FC236}">
-                <a16:creationId xmlns:a16="http://schemas.microsoft.com/office/drawing/2014/main" id="{AA67491B-597B-4947-9F3F-D356FC9150A6}"/>
+                <a16:creationId xmlns:a16="http://schemas.microsoft.com/office/drawing/2014/main" id="{3C3E97EF-DC36-C04E-9DE9-013142C05F82}"/>
+              </a:ext>
+            </a:extLst>
+          </p:cNvPr>
+          <p:cNvSpPr/>
+          <p:nvPr/>
+        </p:nvSpPr>
+        <p:spPr>
+          <a:xfrm>
+            <a:off x="0" y="0"/>
+            <a:ext cx="12188952" cy="6858000"/>
+          </a:xfrm>
+          <a:prstGeom prst="rect">
+            <a:avLst/>
+          </a:prstGeom>
+          <a:gradFill flip="none" rotWithShape="1">
+            <a:gsLst>
+              <a:gs pos="0">
+                <a:schemeClr val="accent1">
+                  <a:lumMod val="0"/>
+                  <a:lumOff val="100000"/>
+                </a:schemeClr>
+              </a:gs>
+              <a:gs pos="0">
+                <a:schemeClr val="bg2">
+                  <a:lumMod val="40000"/>
+                  <a:lumOff val="60000"/>
+                </a:schemeClr>
+              </a:gs>
+              <a:gs pos="0">
+                <a:schemeClr val="bg2">
+                  <a:lumMod val="60000"/>
+                  <a:lumOff val="40000"/>
+                </a:schemeClr>
+              </a:gs>
+            </a:gsLst>
+            <a:lin ang="5400000" scaled="0"/>
+            <a:tileRect/>
+          </a:gradFill>
+        </p:spPr>
+        <p:style>
+          <a:lnRef idx="2">
+            <a:schemeClr val="accent1">
+              <a:shade val="50000"/>
+            </a:schemeClr>
+          </a:lnRef>
+          <a:fillRef idx="1">
+            <a:schemeClr val="accent1"/>
+          </a:fillRef>
+          <a:effectRef idx="0">
+            <a:schemeClr val="accent1"/>
+          </a:effectRef>
+          <a:fontRef idx="minor">
+            <a:schemeClr val="lt1"/>
+          </a:fontRef>
+        </p:style>
+        <p:txBody>
+          <a:bodyPr rtlCol="0" anchor="ctr"/>
+          <a:lstStyle/>
+          <a:p>
+            <a:endParaRPr lang="en-US" dirty="0"/>
+          </a:p>
+        </p:txBody>
+      </p:sp>
+      <p:sp>
+        <p:nvSpPr>
+          <p:cNvPr id="7" name="Title 6">
+            <a:extLst>
+              <a:ext uri="{FF2B5EF4-FFF2-40B4-BE49-F238E27FC236}">
+                <a16:creationId xmlns:a16="http://schemas.microsoft.com/office/drawing/2014/main" id="{CFC2D387-3C2D-2C46-8173-58CDF8F98AB8}"/>
+              </a:ext>
+            </a:extLst>
+          </p:cNvPr>
+          <p:cNvSpPr>
+            <a:spLocks noGrp="1"/>
+          </p:cNvSpPr>
+          <p:nvPr>
+            <p:ph type="title"/>
+          </p:nvPr>
+        </p:nvSpPr>
+        <p:spPr>
+          <a:xfrm>
+            <a:off x="3291840" y="714375"/>
+            <a:ext cx="5605272" cy="1572126"/>
+          </a:xfrm>
+        </p:spPr>
+        <p:txBody>
+          <a:bodyPr/>
+          <a:lstStyle/>
+          <a:p>
+            <a:pPr algn="ctr"/>
+            <a:r>
+              <a:rPr lang="en-US" b="1" dirty="0"/>
+              <a:t>References</a:t>
+            </a:r>
+          </a:p>
+        </p:txBody>
+      </p:sp>
+      <p:sp>
+        <p:nvSpPr>
+          <p:cNvPr id="8" name="TextBox 7">
+            <a:extLst>
+              <a:ext uri="{FF2B5EF4-FFF2-40B4-BE49-F238E27FC236}">
+                <a16:creationId xmlns:a16="http://schemas.microsoft.com/office/drawing/2014/main" id="{0F36C1F5-4EE2-0E44-A971-71753FD0C2D1}"/>
               </a:ext>
             </a:extLst>
           </p:cNvPr>
@@ -10725,8 +11168,8 @@
         </p:nvSpPr>
         <p:spPr>
           <a:xfrm>
-            <a:off x="1840090" y="3237637"/>
-            <a:ext cx="3744097" cy="1754326"/>
+            <a:off x="3291841" y="2356258"/>
+            <a:ext cx="5605272" cy="1200329"/>
           </a:xfrm>
           <a:prstGeom prst="rect">
             <a:avLst/>
@@ -10739,96 +11182,31 @@
           </a:bodyPr>
           <a:lstStyle/>
           <a:p>
-            <a:pPr marL="285750" indent="-285750">
-              <a:buFont typeface="Arial" panose="020B0604020202020204" pitchFamily="34" charset="0"/>
-              <a:buChar char="•"/>
-            </a:pPr>
-            <a:r>
-              <a:rPr lang="en-US" dirty="0">
-                <a:solidFill>
-                  <a:schemeClr val="bg1"/>
-                </a:solidFill>
-              </a:rPr>
-              <a:t>No need to define all requirements. </a:t>
-            </a:r>
-          </a:p>
-          <a:p>
-            <a:pPr marL="285750" indent="-285750">
-              <a:buFont typeface="Arial" panose="020B0604020202020204" pitchFamily="34" charset="0"/>
-              <a:buChar char="•"/>
-            </a:pPr>
-            <a:r>
-              <a:rPr lang="en-US" dirty="0">
-                <a:solidFill>
-                  <a:schemeClr val="bg1"/>
-                </a:solidFill>
-              </a:rPr>
-              <a:t>Major requirements can be defined but functionality can evolve over time.</a:t>
-            </a:r>
-          </a:p>
-          <a:p>
-            <a:pPr marL="285750" indent="-285750">
-              <a:buFont typeface="Arial" panose="020B0604020202020204" pitchFamily="34" charset="0"/>
-              <a:buChar char="•"/>
-            </a:pPr>
-            <a:r>
-              <a:rPr lang="en-US" dirty="0">
-                <a:solidFill>
-                  <a:schemeClr val="bg1"/>
-                </a:solidFill>
-              </a:rPr>
-              <a:t>No time to market constraint</a:t>
-            </a:r>
-          </a:p>
-        </p:txBody>
-      </p:sp>
-      <p:sp>
-        <p:nvSpPr>
-          <p:cNvPr id="13" name="TextBox 12">
-            <a:extLst>
-              <a:ext uri="{FF2B5EF4-FFF2-40B4-BE49-F238E27FC236}">
-                <a16:creationId xmlns:a16="http://schemas.microsoft.com/office/drawing/2014/main" id="{0DEBE4A8-E5A0-B941-84A0-640EF052EF94}"/>
-              </a:ext>
-            </a:extLst>
-          </p:cNvPr>
-          <p:cNvSpPr txBox="1"/>
-          <p:nvPr/>
-        </p:nvSpPr>
-        <p:spPr>
-          <a:xfrm>
-            <a:off x="7681786" y="2286000"/>
-            <a:ext cx="2409567" cy="1200329"/>
-          </a:xfrm>
-          <a:prstGeom prst="rect">
-            <a:avLst/>
-          </a:prstGeom>
-          <a:noFill/>
-        </p:spPr>
-        <p:txBody>
-          <a:bodyPr wrap="square" rtlCol="0">
-            <a:spAutoFit/>
-          </a:bodyPr>
-          <a:lstStyle/>
-          <a:p>
-            <a:pPr marL="285750" indent="-285750">
-              <a:buFont typeface="Arial" panose="020B0604020202020204" pitchFamily="34" charset="0"/>
-              <a:buChar char="•"/>
-            </a:pPr>
             <a:r>
               <a:rPr lang="en-US" dirty="0"/>
-              <a:t>All requirements must be </a:t>
+              <a:t>Charles G. Cobb. (2015). </a:t>
             </a:r>
             <a:r>
-              <a:rPr lang="en-US"/>
-              <a:t>defined.</a:t>
+              <a:rPr lang="en-US" i="1" dirty="0"/>
+              <a:t>The Project Manager’s Guide </a:t>
             </a:r>
           </a:p>
           <a:p>
-            <a:pPr marL="285750" indent="-285750">
-              <a:buFont typeface="Arial" panose="020B0604020202020204" pitchFamily="34" charset="0"/>
-              <a:buChar char="•"/>
-            </a:pPr>
+            <a:r>
+              <a:rPr lang="en-US" i="1" dirty="0"/>
+              <a:t>	to Mastering Agile : Principles and </a:t>
+            </a:r>
             <a:endParaRPr lang="en-US" dirty="0"/>
+          </a:p>
+          <a:p>
+            <a:r>
+              <a:rPr lang="en-US" i="1" dirty="0"/>
+              <a:t>	Practices for an Adaptive Approach</a:t>
+            </a:r>
+            <a:r>
+              <a:rPr lang="en-US" dirty="0"/>
+              <a:t>. Wiley.</a:t>
+            </a:r>
           </a:p>
           <a:p>
             <a:endParaRPr lang="en-US" dirty="0"/>
@@ -10838,17 +11216,29 @@
     </p:spTree>
     <p:extLst>
       <p:ext uri="{BB962C8B-B14F-4D97-AF65-F5344CB8AC3E}">
-        <p14:creationId xmlns:p14="http://schemas.microsoft.com/office/powerpoint/2010/main" val="3808936156"/>
+        <p14:creationId xmlns:p14="http://schemas.microsoft.com/office/powerpoint/2010/main" val="2979401870"/>
       </p:ext>
     </p:extLst>
   </p:cSld>
   <p:clrMapOvr>
     <a:masterClrMapping/>
   </p:clrMapOvr>
+  <mc:AlternateContent xmlns:mc="http://schemas.openxmlformats.org/markup-compatibility/2006">
+    <mc:Choice xmlns:p14="http://schemas.microsoft.com/office/powerpoint/2010/main" Requires="p14">
+      <p:transition spd="med" p14:dur="700">
+        <p:fade/>
+      </p:transition>
+    </mc:Choice>
+    <mc:Fallback>
+      <p:transition spd="med">
+        <p:fade/>
+      </p:transition>
+    </mc:Fallback>
+  </mc:AlternateContent>
 </p:sld>
 </file>
 
-<file path=ppt/slides/slide5.xml><?xml version="1.0" encoding="utf-8"?>
+<file path=ppt/slides/slide6.xml><?xml version="1.0" encoding="utf-8"?>
 <p:sld xmlns:a="http://schemas.openxmlformats.org/drawingml/2006/main" xmlns:r="http://schemas.openxmlformats.org/officeDocument/2006/relationships" xmlns:p="http://schemas.openxmlformats.org/presentationml/2006/main">
   <p:cSld>
     <p:spTree>
@@ -11053,53 +11443,6 @@
           </a:custGeom>
         </p:spPr>
       </p:pic>
-      <p:sp>
-        <p:nvSpPr>
-          <p:cNvPr id="4" name="Title 3">
-            <a:extLst>
-              <a:ext uri="{FF2B5EF4-FFF2-40B4-BE49-F238E27FC236}">
-                <a16:creationId xmlns:a16="http://schemas.microsoft.com/office/drawing/2014/main" id="{08347D8D-E852-43D5-858E-2D01BE57FA93}"/>
-              </a:ext>
-            </a:extLst>
-          </p:cNvPr>
-          <p:cNvSpPr>
-            <a:spLocks noGrp="1"/>
-          </p:cNvSpPr>
-          <p:nvPr>
-            <p:ph type="title"/>
-          </p:nvPr>
-        </p:nvSpPr>
-        <p:spPr>
-          <a:xfrm>
-            <a:off x="6343650" y="3962400"/>
-            <a:ext cx="5505814" cy="1690409"/>
-          </a:xfrm>
-        </p:spPr>
-        <p:txBody>
-          <a:bodyPr vert="horz" lIns="91440" tIns="45720" rIns="91440" bIns="45720" rtlCol="0" anchor="ctr" anchorCtr="0">
-            <a:normAutofit/>
-          </a:bodyPr>
-          <a:lstStyle/>
-          <a:p>
-            <a:pPr algn="r">
-              <a:lnSpc>
-                <a:spcPct val="90000"/>
-              </a:lnSpc>
-            </a:pPr>
-            <a:r>
-              <a:rPr lang="en-US" sz="4400" kern="1200" dirty="0">
-                <a:solidFill>
-                  <a:schemeClr val="tx1"/>
-                </a:solidFill>
-                <a:latin typeface="+mj-lt"/>
-                <a:ea typeface="+mj-ea"/>
-                <a:cs typeface="+mj-cs"/>
-              </a:rPr>
-              <a:t>AGILE DEVELOPMENT</a:t>
-            </a:r>
-          </a:p>
-        </p:txBody>
-      </p:sp>
       <p:pic>
         <p:nvPicPr>
           <p:cNvPr id="6" name="Picture 5" descr="Logo&#10;&#10;Description automatically generated with medium confidence">
@@ -11140,6 +11483,18 @@
   <p:clrMapOvr>
     <a:masterClrMapping/>
   </p:clrMapOvr>
+  <mc:AlternateContent xmlns:mc="http://schemas.openxmlformats.org/markup-compatibility/2006">
+    <mc:Choice xmlns:p14="http://schemas.microsoft.com/office/powerpoint/2010/main" Requires="p14">
+      <p:transition spd="med" p14:dur="700">
+        <p:fade/>
+      </p:transition>
+    </mc:Choice>
+    <mc:Fallback>
+      <p:transition spd="med">
+        <p:fade/>
+      </p:transition>
+    </mc:Fallback>
+  </mc:AlternateContent>
 </p:sld>
 </file>
 

--- a/Agile_Presentation.pptx
+++ b/Agile_Presentation.pptx
@@ -11019,13 +11019,13 @@
   <p:clrMapOvr>
     <a:masterClrMapping/>
   </p:clrMapOvr>
-  <mc:AlternateContent xmlns:mc="http://schemas.openxmlformats.org/markup-compatibility/2006">
-    <mc:Choice xmlns:p14="http://schemas.microsoft.com/office/powerpoint/2010/main" Requires="p14">
+  <mc:AlternateContent xmlns:mc="http://schemas.openxmlformats.org/markup-compatibility/2006" xmlns:p14="http://schemas.microsoft.com/office/powerpoint/2010/main">
+    <mc:Choice Requires="p14">
       <p:transition spd="med" p14:dur="700">
         <p:fade/>
       </p:transition>
     </mc:Choice>
-    <mc:Fallback>
+    <mc:Fallback xmlns="">
       <p:transition spd="med">
         <p:fade/>
       </p:transition>
@@ -11168,8 +11168,8 @@
         </p:nvSpPr>
         <p:spPr>
           <a:xfrm>
-            <a:off x="3291841" y="2356258"/>
-            <a:ext cx="5605272" cy="1200329"/>
+            <a:off x="489204" y="2286501"/>
+            <a:ext cx="8972848" cy="2308324"/>
           </a:xfrm>
           <a:prstGeom prst="rect">
             <a:avLst/>
@@ -11183,33 +11183,202 @@
           <a:lstStyle/>
           <a:p>
             <a:r>
-              <a:rPr lang="en-US" dirty="0"/>
+              <a:rPr lang="en-US" dirty="0">
+                <a:solidFill>
+                  <a:schemeClr val="bg1"/>
+                </a:solidFill>
+              </a:rPr>
               <a:t>Charles G. Cobb. (2015). </a:t>
             </a:r>
             <a:r>
-              <a:rPr lang="en-US" i="1" dirty="0"/>
+              <a:rPr lang="en-US" i="1" dirty="0">
+                <a:solidFill>
+                  <a:schemeClr val="bg1"/>
+                </a:solidFill>
+              </a:rPr>
               <a:t>The Project Manager’s Guide </a:t>
             </a:r>
           </a:p>
           <a:p>
             <a:r>
-              <a:rPr lang="en-US" i="1" dirty="0"/>
-              <a:t>	to Mastering Agile : Principles and </a:t>
-            </a:r>
-            <a:endParaRPr lang="en-US" dirty="0"/>
-          </a:p>
-          <a:p>
-            <a:r>
-              <a:rPr lang="en-US" i="1" dirty="0"/>
-              <a:t>	Practices for an Adaptive Approach</a:t>
+              <a:rPr lang="en-US" i="1" dirty="0">
+                <a:solidFill>
+                  <a:schemeClr val="bg1"/>
+                </a:solidFill>
+              </a:rPr>
+              <a:t>	to Mastering Agile : Principles and Practices for an Adaptive Approach</a:t>
             </a:r>
             <a:r>
-              <a:rPr lang="en-US" dirty="0"/>
+              <a:rPr lang="en-US" dirty="0">
+                <a:solidFill>
+                  <a:schemeClr val="bg1"/>
+                </a:solidFill>
+              </a:rPr>
               <a:t>. Wiley.</a:t>
             </a:r>
-          </a:p>
-          <a:p>
-            <a:endParaRPr lang="en-US" dirty="0"/>
+            <a:br>
+              <a:rPr lang="en-US" dirty="0">
+                <a:solidFill>
+                  <a:schemeClr val="bg1"/>
+                </a:solidFill>
+              </a:rPr>
+            </a:br>
+            <a:br>
+              <a:rPr lang="en-US" dirty="0">
+                <a:solidFill>
+                  <a:schemeClr val="bg1"/>
+                </a:solidFill>
+              </a:rPr>
+            </a:br>
+            <a:r>
+              <a:rPr lang="en-US" i="1" dirty="0">
+                <a:solidFill>
+                  <a:schemeClr val="bg1"/>
+                </a:solidFill>
+              </a:rPr>
+              <a:t>Software Development Life Cycle (SDLC)</a:t>
+            </a:r>
+            <a:r>
+              <a:rPr lang="en-US" dirty="0">
+                <a:solidFill>
+                  <a:schemeClr val="bg1"/>
+                </a:solidFill>
+              </a:rPr>
+              <a:t>. (2021, May 19). Retrieved February 2022, from </a:t>
+            </a:r>
+          </a:p>
+          <a:p>
+            <a:r>
+              <a:rPr lang="en-US" dirty="0">
+                <a:solidFill>
+                  <a:schemeClr val="bg1"/>
+                </a:solidFill>
+              </a:rPr>
+              <a:t>	</a:t>
+            </a:r>
+            <a:r>
+              <a:rPr lang="en-US" dirty="0" err="1">
+                <a:solidFill>
+                  <a:schemeClr val="bg1"/>
+                </a:solidFill>
+              </a:rPr>
+              <a:t>linkedin.com</a:t>
+            </a:r>
+            <a:r>
+              <a:rPr lang="en-US" dirty="0">
+                <a:solidFill>
+                  <a:schemeClr val="bg1"/>
+                </a:solidFill>
+              </a:rPr>
+              <a:t>: </a:t>
+            </a:r>
+            <a:r>
+              <a:rPr lang="en-US" dirty="0">
+                <a:solidFill>
+                  <a:srgbClr val="0563C1"/>
+                </a:solidFill>
+                <a:hlinkClick r:id="rId3">
+                  <a:extLst>
+                    <a:ext uri="{A12FA001-AC4F-418D-AE19-62706E023703}">
+                      <ahyp:hlinkClr xmlns:ahyp="http://schemas.microsoft.com/office/drawing/2018/hyperlinkcolor" val="tx"/>
+                    </a:ext>
+                  </a:extLst>
+                </a:hlinkClick>
+              </a:rPr>
+              <a:t>https://www.linkedin.com/pulse/</a:t>
+            </a:r>
+            <a:r>
+              <a:rPr lang="en-US" dirty="0">
+                <a:solidFill>
+                  <a:schemeClr val="bg1"/>
+                </a:solidFill>
+                <a:hlinkClick r:id="rId3">
+                  <a:extLst>
+                    <a:ext uri="{A12FA001-AC4F-418D-AE19-62706E023703}">
+                      <ahyp:hlinkClr xmlns:ahyp="http://schemas.microsoft.com/office/drawing/2018/hyperlinkcolor" val="tx"/>
+                    </a:ext>
+                  </a:extLst>
+                </a:hlinkClick>
+              </a:rPr>
+              <a:t>software-development-life-</a:t>
+            </a:r>
+            <a:endParaRPr lang="en-US" dirty="0">
+              <a:solidFill>
+                <a:schemeClr val="bg1"/>
+              </a:solidFill>
+            </a:endParaRPr>
+          </a:p>
+          <a:p>
+            <a:r>
+              <a:rPr lang="en-US" dirty="0">
+                <a:solidFill>
+                  <a:schemeClr val="bg1"/>
+                </a:solidFill>
+              </a:rPr>
+              <a:t>	cycle-</a:t>
+            </a:r>
+            <a:r>
+              <a:rPr lang="en-US" dirty="0" err="1">
+                <a:solidFill>
+                  <a:schemeClr val="bg1"/>
+                </a:solidFill>
+              </a:rPr>
+              <a:t>sdlc</a:t>
+            </a:r>
+            <a:r>
+              <a:rPr lang="en-US" dirty="0">
+                <a:solidFill>
+                  <a:schemeClr val="bg1"/>
+                </a:solidFill>
+              </a:rPr>
+              <a:t>-tutorial-</a:t>
+            </a:r>
+            <a:r>
+              <a:rPr lang="en-US" dirty="0" err="1">
+                <a:solidFill>
+                  <a:schemeClr val="bg1"/>
+                </a:solidFill>
+              </a:rPr>
+              <a:t>richard</a:t>
+            </a:r>
+            <a:r>
+              <a:rPr lang="en-US" dirty="0">
+                <a:solidFill>
+                  <a:schemeClr val="bg1"/>
+                </a:solidFill>
+              </a:rPr>
+              <a:t>-</a:t>
+            </a:r>
+            <a:r>
+              <a:rPr lang="en-US" dirty="0" err="1">
+                <a:solidFill>
+                  <a:schemeClr val="bg1"/>
+                </a:solidFill>
+              </a:rPr>
+              <a:t>harris</a:t>
+            </a:r>
+            <a:r>
+              <a:rPr lang="en-US" dirty="0">
+                <a:solidFill>
+                  <a:schemeClr val="bg1"/>
+                </a:solidFill>
+              </a:rPr>
+              <a:t>/</a:t>
+            </a:r>
+          </a:p>
+          <a:p>
+            <a:endParaRPr lang="en-US" dirty="0">
+              <a:solidFill>
+                <a:schemeClr val="bg1"/>
+              </a:solidFill>
+            </a:endParaRPr>
+          </a:p>
+          <a:p>
+            <a:endParaRPr lang="en-US" dirty="0">
+              <a:solidFill>
+                <a:schemeClr val="bg1"/>
+              </a:solidFill>
+            </a:endParaRPr>
           </a:p>
         </p:txBody>
       </p:sp>
@@ -11223,13 +11392,13 @@
   <p:clrMapOvr>
     <a:masterClrMapping/>
   </p:clrMapOvr>
-  <mc:AlternateContent xmlns:mc="http://schemas.openxmlformats.org/markup-compatibility/2006">
-    <mc:Choice xmlns:p14="http://schemas.microsoft.com/office/powerpoint/2010/main" Requires="p14">
+  <mc:AlternateContent xmlns:mc="http://schemas.openxmlformats.org/markup-compatibility/2006" xmlns:p14="http://schemas.microsoft.com/office/powerpoint/2010/main">
+    <mc:Choice Requires="p14">
       <p:transition spd="med" p14:dur="700">
         <p:fade/>
       </p:transition>
     </mc:Choice>
-    <mc:Fallback>
+    <mc:Fallback xmlns="">
       <p:transition spd="med">
         <p:fade/>
       </p:transition>
@@ -11483,13 +11652,13 @@
   <p:clrMapOvr>
     <a:masterClrMapping/>
   </p:clrMapOvr>
-  <mc:AlternateContent xmlns:mc="http://schemas.openxmlformats.org/markup-compatibility/2006">
-    <mc:Choice xmlns:p14="http://schemas.microsoft.com/office/powerpoint/2010/main" Requires="p14">
+  <mc:AlternateContent xmlns:mc="http://schemas.openxmlformats.org/markup-compatibility/2006" xmlns:p14="http://schemas.microsoft.com/office/powerpoint/2010/main">
+    <mc:Choice Requires="p14">
       <p:transition spd="med" p14:dur="700">
         <p:fade/>
       </p:transition>
     </mc:Choice>
-    <mc:Fallback>
+    <mc:Fallback xmlns="">
       <p:transition spd="med">
         <p:fade/>
       </p:transition>
